--- a/ag_codes.pptx
+++ b/ag_codes.pptx
@@ -154,6 +154,7 @@
 <file path=ppt/revisionInfo.xml><?xml version="1.0" encoding="utf-8"?>
 <p1510:revInfo xmlns:a="http://schemas.openxmlformats.org/drawingml/2006/main" xmlns:r="http://schemas.openxmlformats.org/officeDocument/2006/relationships" xmlns:p1510="http://schemas.microsoft.com/office/powerpoint/2015/10/main">
   <p1510:revLst>
+    <p1510:client id="{058D2151-B082-7CB5-959F-7D942C5582F1}" v="22" dt="2025-05-14T17:33:26.744"/>
     <p1510:client id="{0B201A7B-31DA-554B-A345-A03A2C6C2388}" v="3460" dt="2025-05-13T17:46:53.406"/>
     <p1510:client id="{4C0B1EE7-6A78-89E9-4A28-7478F58BC647}" v="253" dt="2025-05-13T15:28:10.303"/>
     <p1510:client id="{9BA88202-5151-9D90-B969-4B12E02137A9}" v="2" dt="2025-05-13T19:08:09.961"/>
@@ -2806,7 +2807,7 @@
           <inkml:channelProperty channel="OE" name="resolution" value="1000" units="1/deg"/>
         </inkml:channelProperties>
       </inkml:inkSource>
-      <inkml:timestamp xml:id="ts0" timeString="2025-05-13T21:39:42.609"/>
+      <inkml:timestamp xml:id="ts0" timeString="2025-05-14T17:31:54.240"/>
     </inkml:context>
     <inkml:brush xml:id="br0">
       <inkml:brushProperty name="width" value="0.35" units="cm"/>
@@ -3011,7 +3012,7 @@
           <a:p>
             <a:fld id="{C764DE79-268F-4C1A-8933-263129D2AF90}" type="datetimeFigureOut">
               <a:rPr lang="en-US" dirty="0"/>
-              <a:t>5/13/2025</a:t>
+              <a:t>5/14/2025</a:t>
             </a:fld>
             <a:endParaRPr lang="en-US" dirty="0"/>
           </a:p>
@@ -3179,7 +3180,7 @@
           <a:p>
             <a:fld id="{C764DE79-268F-4C1A-8933-263129D2AF90}" type="datetimeFigureOut">
               <a:rPr lang="en-US" dirty="0"/>
-              <a:t>5/13/2025</a:t>
+              <a:t>5/14/2025</a:t>
             </a:fld>
             <a:endParaRPr lang="en-US" dirty="0"/>
           </a:p>
@@ -3357,7 +3358,7 @@
           <a:p>
             <a:fld id="{C764DE79-268F-4C1A-8933-263129D2AF90}" type="datetimeFigureOut">
               <a:rPr lang="en-US" dirty="0"/>
-              <a:t>5/13/2025</a:t>
+              <a:t>5/14/2025</a:t>
             </a:fld>
             <a:endParaRPr lang="en-US" dirty="0"/>
           </a:p>
@@ -3525,7 +3526,7 @@
           <a:p>
             <a:fld id="{C764DE79-268F-4C1A-8933-263129D2AF90}" type="datetimeFigureOut">
               <a:rPr lang="en-US" dirty="0"/>
-              <a:t>5/13/2025</a:t>
+              <a:t>5/14/2025</a:t>
             </a:fld>
             <a:endParaRPr lang="en-US" dirty="0"/>
           </a:p>
@@ -3770,7 +3771,7 @@
           <a:p>
             <a:fld id="{C764DE79-268F-4C1A-8933-263129D2AF90}" type="datetimeFigureOut">
               <a:rPr lang="en-US" dirty="0"/>
-              <a:t>5/13/2025</a:t>
+              <a:t>5/14/2025</a:t>
             </a:fld>
             <a:endParaRPr lang="en-US" dirty="0"/>
           </a:p>
@@ -3999,7 +4000,7 @@
           <a:p>
             <a:fld id="{C764DE79-268F-4C1A-8933-263129D2AF90}" type="datetimeFigureOut">
               <a:rPr lang="en-US" dirty="0"/>
-              <a:t>5/13/2025</a:t>
+              <a:t>5/14/2025</a:t>
             </a:fld>
             <a:endParaRPr lang="en-US" dirty="0"/>
           </a:p>
@@ -4363,7 +4364,7 @@
           <a:p>
             <a:fld id="{C764DE79-268F-4C1A-8933-263129D2AF90}" type="datetimeFigureOut">
               <a:rPr lang="en-US" dirty="0"/>
-              <a:t>5/13/2025</a:t>
+              <a:t>5/14/2025</a:t>
             </a:fld>
             <a:endParaRPr lang="en-US" dirty="0"/>
           </a:p>
@@ -4480,7 +4481,7 @@
           <a:p>
             <a:fld id="{C764DE79-268F-4C1A-8933-263129D2AF90}" type="datetimeFigureOut">
               <a:rPr lang="en-US" dirty="0"/>
-              <a:t>5/13/2025</a:t>
+              <a:t>5/14/2025</a:t>
             </a:fld>
             <a:endParaRPr lang="en-US" dirty="0"/>
           </a:p>
@@ -4575,7 +4576,7 @@
           <a:p>
             <a:fld id="{C764DE79-268F-4C1A-8933-263129D2AF90}" type="datetimeFigureOut">
               <a:rPr lang="en-US" dirty="0"/>
-              <a:t>5/13/2025</a:t>
+              <a:t>5/14/2025</a:t>
             </a:fld>
             <a:endParaRPr lang="en-US" dirty="0"/>
           </a:p>
@@ -4850,7 +4851,7 @@
           <a:p>
             <a:fld id="{C764DE79-268F-4C1A-8933-263129D2AF90}" type="datetimeFigureOut">
               <a:rPr lang="en-US" dirty="0"/>
-              <a:t>5/13/2025</a:t>
+              <a:t>5/14/2025</a:t>
             </a:fld>
             <a:endParaRPr lang="en-US" dirty="0"/>
           </a:p>
@@ -5102,7 +5103,7 @@
           <a:p>
             <a:fld id="{C764DE79-268F-4C1A-8933-263129D2AF90}" type="datetimeFigureOut">
               <a:rPr lang="en-US" dirty="0"/>
-              <a:t>5/13/2025</a:t>
+              <a:t>5/14/2025</a:t>
             </a:fld>
             <a:endParaRPr lang="en-US" dirty="0"/>
           </a:p>
@@ -5313,7 +5314,7 @@
           <a:p>
             <a:fld id="{C764DE79-268F-4C1A-8933-263129D2AF90}" type="datetimeFigureOut">
               <a:rPr lang="en-US" dirty="0"/>
-              <a:t>5/13/2025</a:t>
+              <a:t>5/14/2025</a:t>
             </a:fld>
             <a:endParaRPr lang="en-US" dirty="0"/>
           </a:p>
@@ -25495,7 +25496,7 @@
         <p:spPr>
           <a:xfrm>
             <a:off x="8048786" y="2254681"/>
-            <a:ext cx="2206549" cy="400110"/>
+            <a:ext cx="3081117" cy="400110"/>
           </a:xfrm>
           <a:prstGeom prst="rect">
             <a:avLst/>
@@ -25543,17 +25544,17 @@
                 <a:ea typeface="+mn-lt"/>
                 <a:cs typeface="+mn-lt"/>
               </a:rPr>
-              <a:t> ≈  𝔽</a:t>
-            </a:r>
-            <a:r>
-              <a:rPr lang="hu-HU" sz="2000" b="1" baseline="-25000" dirty="0">
+              <a:t> ~  </a:t>
+            </a:r>
+            <a:r>
+              <a:rPr lang="hu-HU" sz="2000" b="1" dirty="0" err="1">
                 <a:solidFill>
                   <a:schemeClr val="bg1"/>
                 </a:solidFill>
                 <a:ea typeface="+mn-lt"/>
                 <a:cs typeface="+mn-lt"/>
               </a:rPr>
-              <a:t>q</a:t>
+              <a:t>Frac</a:t>
             </a:r>
             <a:r>
               <a:rPr lang="hu-HU" sz="2000" b="1" dirty="0">
@@ -25563,17 +25564,17 @@
                 <a:ea typeface="+mn-lt"/>
                 <a:cs typeface="+mn-lt"/>
               </a:rPr>
-              <a:t>[</a:t>
-            </a:r>
-            <a:r>
-              <a:rPr lang="hu-HU" sz="2000" b="1" err="1">
+              <a:t>(𝔽</a:t>
+            </a:r>
+            <a:r>
+              <a:rPr lang="hu-HU" sz="2000" b="1" baseline="-25000" dirty="0">
                 <a:solidFill>
                   <a:schemeClr val="bg1"/>
                 </a:solidFill>
                 <a:ea typeface="+mn-lt"/>
                 <a:cs typeface="+mn-lt"/>
               </a:rPr>
-              <a:t>x,y</a:t>
+              <a:t>q</a:t>
             </a:r>
             <a:r>
               <a:rPr lang="hu-HU" sz="2000" b="1" dirty="0">
@@ -25583,17 +25584,17 @@
                 <a:ea typeface="+mn-lt"/>
                 <a:cs typeface="+mn-lt"/>
               </a:rPr>
-              <a:t>]/(</a:t>
-            </a:r>
-            <a:r>
-              <a:rPr lang="hu-HU" b="1" dirty="0">
+              <a:t>[</a:t>
+            </a:r>
+            <a:r>
+              <a:rPr lang="hu-HU" sz="2000" b="1" dirty="0" err="1">
                 <a:solidFill>
                   <a:schemeClr val="bg1"/>
                 </a:solidFill>
                 <a:ea typeface="+mn-lt"/>
                 <a:cs typeface="+mn-lt"/>
               </a:rPr>
-              <a:t>𝕏</a:t>
+              <a:t>x,y</a:t>
             </a:r>
             <a:r>
               <a:rPr lang="hu-HU" sz="2000" b="1" dirty="0">
@@ -25603,7 +25604,27 @@
                 <a:ea typeface="+mn-lt"/>
                 <a:cs typeface="+mn-lt"/>
               </a:rPr>
-              <a:t>)</a:t>
+              <a:t>]/(</a:t>
+            </a:r>
+            <a:r>
+              <a:rPr lang="hu-HU" b="1" dirty="0">
+                <a:solidFill>
+                  <a:schemeClr val="bg1"/>
+                </a:solidFill>
+                <a:ea typeface="+mn-lt"/>
+                <a:cs typeface="+mn-lt"/>
+              </a:rPr>
+              <a:t>𝕏</a:t>
+            </a:r>
+            <a:r>
+              <a:rPr lang="hu-HU" sz="2000" b="1" dirty="0">
+                <a:solidFill>
+                  <a:schemeClr val="bg1"/>
+                </a:solidFill>
+                <a:ea typeface="+mn-lt"/>
+                <a:cs typeface="+mn-lt"/>
+              </a:rPr>
+              <a:t>))</a:t>
             </a:r>
             <a:endParaRPr lang="hu-HU" sz="2000" b="1" baseline="-25000" dirty="0">
               <a:solidFill>
@@ -26129,10 +26150,10 @@
       </p:sp>
       <p:sp>
         <p:nvSpPr>
-          <p:cNvPr id="16" name="Szövegdoboz 15">
-            <a:extLst>
-              <a:ext uri="{FF2B5EF4-FFF2-40B4-BE49-F238E27FC236}">
-                <a16:creationId xmlns:a16="http://schemas.microsoft.com/office/drawing/2014/main" id="{F6E4D503-6951-D1EF-483C-22396071C226}"/>
+          <p:cNvPr id="18" name="Szövegdoboz 17">
+            <a:extLst>
+              <a:ext uri="{FF2B5EF4-FFF2-40B4-BE49-F238E27FC236}">
+                <a16:creationId xmlns:a16="http://schemas.microsoft.com/office/drawing/2014/main" id="{0DDFF101-CF25-56A4-CBDA-629642E1AC11}"/>
               </a:ext>
             </a:extLst>
           </p:cNvPr>
@@ -26141,8 +26162,8 @@
         </p:nvSpPr>
         <p:spPr>
           <a:xfrm>
-            <a:off x="8048786" y="2254681"/>
-            <a:ext cx="2206549" cy="400110"/>
+            <a:off x="8048785" y="3016679"/>
+            <a:ext cx="797371" cy="410549"/>
           </a:xfrm>
           <a:prstGeom prst="rect">
             <a:avLst/>
@@ -26163,44 +26184,20 @@
                 <a:solidFill>
                   <a:schemeClr val="bg1"/>
                 </a:solidFill>
-              </a:rPr>
-              <a:t>F(</a:t>
-            </a:r>
-            <a:r>
-              <a:rPr lang="hu-HU" b="1" dirty="0">
-                <a:solidFill>
-                  <a:schemeClr val="bg1"/>
-                </a:solidFill>
-              </a:rPr>
-              <a:t>𝕏</a:t>
-            </a:r>
-            <a:r>
-              <a:rPr lang="hu-HU" sz="2000" b="1" dirty="0">
-                <a:solidFill>
-                  <a:schemeClr val="bg1"/>
-                </a:solidFill>
-              </a:rPr>
-              <a:t>) </a:t>
-            </a:r>
-            <a:r>
-              <a:rPr lang="hu-HU" sz="2000" b="1" dirty="0">
-                <a:solidFill>
-                  <a:schemeClr val="bg1"/>
-                </a:solidFill>
                 <a:ea typeface="+mn-lt"/>
                 <a:cs typeface="+mn-lt"/>
               </a:rPr>
-              <a:t> ≈  𝔽</a:t>
-            </a:r>
-            <a:r>
-              <a:rPr lang="hu-HU" sz="2000" b="1" baseline="-25000" dirty="0">
-                <a:solidFill>
-                  <a:schemeClr val="bg1"/>
+              <a:t>ℒ(</a:t>
+            </a:r>
+            <a:r>
+              <a:rPr lang="hu-HU" sz="2000" b="1" dirty="0">
+                <a:solidFill>
+                  <a:srgbClr val="00B0F0"/>
                 </a:solidFill>
                 <a:ea typeface="+mn-lt"/>
                 <a:cs typeface="+mn-lt"/>
               </a:rPr>
-              <a:t>q</a:t>
+              <a:t>D</a:t>
             </a:r>
             <a:r>
               <a:rPr lang="hu-HU" sz="2000" b="1" dirty="0">
@@ -26210,49 +26207,9 @@
                 <a:ea typeface="+mn-lt"/>
                 <a:cs typeface="+mn-lt"/>
               </a:rPr>
-              <a:t>[</a:t>
-            </a:r>
-            <a:r>
-              <a:rPr lang="hu-HU" sz="2000" b="1" err="1">
-                <a:solidFill>
-                  <a:schemeClr val="bg1"/>
-                </a:solidFill>
-                <a:ea typeface="+mn-lt"/>
-                <a:cs typeface="+mn-lt"/>
-              </a:rPr>
-              <a:t>x,y</a:t>
-            </a:r>
-            <a:r>
-              <a:rPr lang="hu-HU" sz="2000" b="1" dirty="0">
-                <a:solidFill>
-                  <a:schemeClr val="bg1"/>
-                </a:solidFill>
-                <a:ea typeface="+mn-lt"/>
-                <a:cs typeface="+mn-lt"/>
-              </a:rPr>
-              <a:t>]/(</a:t>
-            </a:r>
-            <a:r>
-              <a:rPr lang="hu-HU" b="1" dirty="0">
-                <a:solidFill>
-                  <a:schemeClr val="bg1"/>
-                </a:solidFill>
-                <a:ea typeface="+mn-lt"/>
-                <a:cs typeface="+mn-lt"/>
-              </a:rPr>
-              <a:t>𝕏</a:t>
-            </a:r>
-            <a:r>
-              <a:rPr lang="hu-HU" sz="2000" b="1" dirty="0">
-                <a:solidFill>
-                  <a:schemeClr val="bg1"/>
-                </a:solidFill>
-                <a:ea typeface="+mn-lt"/>
-                <a:cs typeface="+mn-lt"/>
-              </a:rPr>
               <a:t>)</a:t>
             </a:r>
-            <a:endParaRPr lang="hu-HU" sz="2000" b="1" baseline="-25000" dirty="0">
+            <a:endParaRPr lang="hu-HU" b="1" dirty="0">
               <a:solidFill>
                 <a:schemeClr val="bg1"/>
               </a:solidFill>
@@ -26262,10 +26219,10 @@
       </p:sp>
       <p:sp>
         <p:nvSpPr>
-          <p:cNvPr id="18" name="Szövegdoboz 17">
-            <a:extLst>
-              <a:ext uri="{FF2B5EF4-FFF2-40B4-BE49-F238E27FC236}">
-                <a16:creationId xmlns:a16="http://schemas.microsoft.com/office/drawing/2014/main" id="{0DDFF101-CF25-56A4-CBDA-629642E1AC11}"/>
+          <p:cNvPr id="20" name="Szövegdoboz 19">
+            <a:extLst>
+              <a:ext uri="{FF2B5EF4-FFF2-40B4-BE49-F238E27FC236}">
+                <a16:creationId xmlns:a16="http://schemas.microsoft.com/office/drawing/2014/main" id="{2D1C1BF3-463A-BCB5-3DB4-735FB1AA23C7}"/>
               </a:ext>
             </a:extLst>
           </p:cNvPr>
@@ -26274,8 +26231,8 @@
         </p:nvSpPr>
         <p:spPr>
           <a:xfrm>
-            <a:off x="8048785" y="3016679"/>
-            <a:ext cx="797371" cy="410549"/>
+            <a:off x="4750263" y="1987222"/>
+            <a:ext cx="2290056" cy="338554"/>
           </a:xfrm>
           <a:prstGeom prst="rect">
             <a:avLst/>
@@ -26292,49 +26249,54 @@
           <a:lstStyle/>
           <a:p>
             <a:r>
-              <a:rPr lang="hu-HU" sz="2000" b="1" dirty="0">
-                <a:solidFill>
-                  <a:schemeClr val="bg1"/>
-                </a:solidFill>
-                <a:ea typeface="+mn-lt"/>
-                <a:cs typeface="+mn-lt"/>
-              </a:rPr>
-              <a:t>ℒ(</a:t>
-            </a:r>
-            <a:r>
-              <a:rPr lang="hu-HU" sz="2000" b="1" dirty="0">
-                <a:solidFill>
-                  <a:srgbClr val="00B0F0"/>
-                </a:solidFill>
-                <a:ea typeface="+mn-lt"/>
-                <a:cs typeface="+mn-lt"/>
-              </a:rPr>
-              <a:t>D</a:t>
-            </a:r>
-            <a:r>
-              <a:rPr lang="hu-HU" sz="2000" b="1" dirty="0">
-                <a:solidFill>
-                  <a:schemeClr val="bg1"/>
-                </a:solidFill>
-                <a:ea typeface="+mn-lt"/>
-                <a:cs typeface="+mn-lt"/>
-              </a:rPr>
-              <a:t>)</a:t>
-            </a:r>
-            <a:endParaRPr lang="hu-HU" b="1" dirty="0">
-              <a:solidFill>
-                <a:schemeClr val="bg1"/>
-              </a:solidFill>
-            </a:endParaRPr>
-          </a:p>
-        </p:txBody>
-      </p:sp>
-      <p:sp>
-        <p:nvSpPr>
-          <p:cNvPr id="20" name="Szövegdoboz 19">
-            <a:extLst>
-              <a:ext uri="{FF2B5EF4-FFF2-40B4-BE49-F238E27FC236}">
-                <a16:creationId xmlns:a16="http://schemas.microsoft.com/office/drawing/2014/main" id="{2D1C1BF3-463A-BCB5-3DB4-735FB1AA23C7}"/>
+              <a:rPr lang="hu-HU" sz="1600" b="1" dirty="0" err="1">
+                <a:solidFill>
+                  <a:schemeClr val="bg1"/>
+                </a:solidFill>
+              </a:rPr>
+              <a:t>ambient</a:t>
+            </a:r>
+            <a:r>
+              <a:rPr lang="hu-HU" sz="1600" b="1" dirty="0">
+                <a:solidFill>
+                  <a:schemeClr val="bg1"/>
+                </a:solidFill>
+              </a:rPr>
+              <a:t> </a:t>
+            </a:r>
+            <a:r>
+              <a:rPr lang="hu-HU" sz="1600" b="1" dirty="0" err="1">
+                <a:solidFill>
+                  <a:schemeClr val="bg1"/>
+                </a:solidFill>
+              </a:rPr>
+              <a:t>function</a:t>
+            </a:r>
+            <a:r>
+              <a:rPr lang="hu-HU" sz="1600" b="1" dirty="0">
+                <a:solidFill>
+                  <a:schemeClr val="bg1"/>
+                </a:solidFill>
+              </a:rPr>
+              <a:t> </a:t>
+            </a:r>
+            <a:r>
+              <a:rPr lang="hu-HU" sz="1600" b="1" dirty="0" err="1">
+                <a:solidFill>
+                  <a:schemeClr val="bg1"/>
+                </a:solidFill>
+              </a:rPr>
+              <a:t>field</a:t>
+            </a:r>
+          </a:p>
+        </p:txBody>
+      </p:sp>
+      <p:sp>
+        <p:nvSpPr>
+          <p:cNvPr id="22" name="Szövegdoboz 21">
+            <a:extLst>
+              <a:ext uri="{FF2B5EF4-FFF2-40B4-BE49-F238E27FC236}">
+                <a16:creationId xmlns:a16="http://schemas.microsoft.com/office/drawing/2014/main" id="{61B6B7A5-6057-3728-5E0B-DEF1ABBE4FAF}"/>
               </a:ext>
             </a:extLst>
           </p:cNvPr>
@@ -26343,8 +26305,8 @@
         </p:nvSpPr>
         <p:spPr>
           <a:xfrm>
-            <a:off x="4750263" y="1987222"/>
-            <a:ext cx="2290056" cy="338554"/>
+            <a:off x="4923540" y="2818115"/>
+            <a:ext cx="2029098" cy="338554"/>
           </a:xfrm>
           <a:prstGeom prst="rect">
             <a:avLst/>
@@ -26366,7 +26328,7 @@
                   <a:schemeClr val="bg1"/>
                 </a:solidFill>
               </a:rPr>
-              <a:t>ambient</a:t>
+              <a:t>space</a:t>
             </a:r>
             <a:r>
               <a:rPr lang="hu-HU" sz="1600" b="1" dirty="0">
@@ -26374,7 +26336,7 @@
                   <a:schemeClr val="bg1"/>
                 </a:solidFill>
               </a:rPr>
-              <a:t> </a:t>
+              <a:t> of </a:t>
             </a:r>
             <a:r>
               <a:rPr lang="hu-HU" sz="1600" b="1" dirty="0" err="1">
@@ -26382,33 +26344,17 @@
                   <a:schemeClr val="bg1"/>
                 </a:solidFill>
               </a:rPr>
-              <a:t>function</a:t>
-            </a:r>
-            <a:r>
-              <a:rPr lang="hu-HU" sz="1600" b="1" dirty="0">
-                <a:solidFill>
-                  <a:schemeClr val="bg1"/>
-                </a:solidFill>
-              </a:rPr>
-              <a:t> </a:t>
-            </a:r>
-            <a:r>
-              <a:rPr lang="hu-HU" sz="1600" b="1" dirty="0" err="1">
-                <a:solidFill>
-                  <a:schemeClr val="bg1"/>
-                </a:solidFill>
-              </a:rPr>
-              <a:t>field</a:t>
-            </a:r>
-          </a:p>
-        </p:txBody>
-      </p:sp>
-      <p:sp>
-        <p:nvSpPr>
-          <p:cNvPr id="22" name="Szövegdoboz 21">
-            <a:extLst>
-              <a:ext uri="{FF2B5EF4-FFF2-40B4-BE49-F238E27FC236}">
-                <a16:creationId xmlns:a16="http://schemas.microsoft.com/office/drawing/2014/main" id="{61B6B7A5-6057-3728-5E0B-DEF1ABBE4FAF}"/>
+              <a:t>messages</a:t>
+            </a:r>
+          </a:p>
+        </p:txBody>
+      </p:sp>
+      <p:sp>
+        <p:nvSpPr>
+          <p:cNvPr id="24" name="Szövegdoboz 23">
+            <a:extLst>
+              <a:ext uri="{FF2B5EF4-FFF2-40B4-BE49-F238E27FC236}">
+                <a16:creationId xmlns:a16="http://schemas.microsoft.com/office/drawing/2014/main" id="{D257A877-B155-BD9A-BB46-3CAF3C77A729}"/>
               </a:ext>
             </a:extLst>
           </p:cNvPr>
@@ -26417,8 +26363,8 @@
         </p:nvSpPr>
         <p:spPr>
           <a:xfrm>
-            <a:off x="4923540" y="2818115"/>
-            <a:ext cx="2029098" cy="338554"/>
+            <a:off x="8998675" y="3016679"/>
+            <a:ext cx="2926794" cy="369332"/>
           </a:xfrm>
           <a:prstGeom prst="rect">
             <a:avLst/>
@@ -26435,7 +26381,23 @@
           <a:lstStyle/>
           <a:p>
             <a:r>
-              <a:rPr lang="hu-HU" sz="1600" b="1" dirty="0" err="1">
+              <a:rPr lang="hu-HU" b="1" dirty="0" err="1">
+                <a:solidFill>
+                  <a:schemeClr val="bg1"/>
+                </a:solidFill>
+              </a:rPr>
+              <a:t>Riemann-Roch</a:t>
+            </a:r>
+            <a:r>
+              <a:rPr lang="hu-HU" b="1" dirty="0">
+                <a:solidFill>
+                  <a:schemeClr val="bg1"/>
+                </a:solidFill>
+              </a:rPr>
+              <a:t> </a:t>
+            </a:r>
+            <a:r>
+              <a:rPr lang="hu-HU" b="1" dirty="0" err="1">
                 <a:solidFill>
                   <a:schemeClr val="bg1"/>
                 </a:solidFill>
@@ -26443,7 +26405,7 @@
               <a:t>space</a:t>
             </a:r>
             <a:r>
-              <a:rPr lang="hu-HU" sz="1600" b="1" dirty="0">
+              <a:rPr lang="hu-HU" b="1" dirty="0">
                 <a:solidFill>
                   <a:schemeClr val="bg1"/>
                 </a:solidFill>
@@ -26451,22 +26413,22 @@
               <a:t> of </a:t>
             </a:r>
             <a:r>
-              <a:rPr lang="hu-HU" sz="1600" b="1" dirty="0" err="1">
-                <a:solidFill>
-                  <a:schemeClr val="bg1"/>
-                </a:solidFill>
-              </a:rPr>
-              <a:t>messages</a:t>
-            </a:r>
-          </a:p>
-        </p:txBody>
-      </p:sp>
-      <p:sp>
-        <p:nvSpPr>
-          <p:cNvPr id="24" name="Szövegdoboz 23">
-            <a:extLst>
-              <a:ext uri="{FF2B5EF4-FFF2-40B4-BE49-F238E27FC236}">
-                <a16:creationId xmlns:a16="http://schemas.microsoft.com/office/drawing/2014/main" id="{D257A877-B155-BD9A-BB46-3CAF3C77A729}"/>
+              <a:rPr lang="hu-HU" b="1" dirty="0">
+                <a:solidFill>
+                  <a:srgbClr val="00B0F0"/>
+                </a:solidFill>
+              </a:rPr>
+              <a:t>D</a:t>
+            </a:r>
+          </a:p>
+        </p:txBody>
+      </p:sp>
+      <p:sp>
+        <p:nvSpPr>
+          <p:cNvPr id="4" name="Szövegdoboz 3">
+            <a:extLst>
+              <a:ext uri="{FF2B5EF4-FFF2-40B4-BE49-F238E27FC236}">
+                <a16:creationId xmlns:a16="http://schemas.microsoft.com/office/drawing/2014/main" id="{A258C18B-D47E-637C-7AF8-D7C799631C4D}"/>
               </a:ext>
             </a:extLst>
           </p:cNvPr>
@@ -26475,8 +26437,8 @@
         </p:nvSpPr>
         <p:spPr>
           <a:xfrm>
-            <a:off x="8998675" y="3016679"/>
-            <a:ext cx="2926794" cy="369332"/>
+            <a:off x="8048786" y="2254681"/>
+            <a:ext cx="3081117" cy="400110"/>
           </a:xfrm>
           <a:prstGeom prst="rect">
             <a:avLst/>
@@ -26493,12 +26455,12 @@
           <a:lstStyle/>
           <a:p>
             <a:r>
-              <a:rPr lang="hu-HU" b="1" dirty="0" err="1">
-                <a:solidFill>
-                  <a:schemeClr val="bg1"/>
-                </a:solidFill>
-              </a:rPr>
-              <a:t>Riemann-Roch</a:t>
+              <a:rPr lang="hu-HU" sz="2000" b="1" dirty="0">
+                <a:solidFill>
+                  <a:schemeClr val="bg1"/>
+                </a:solidFill>
+              </a:rPr>
+              <a:t>F(</a:t>
             </a:r>
             <a:r>
               <a:rPr lang="hu-HU" b="1" dirty="0">
@@ -26506,32 +26468,111 @@
                   <a:schemeClr val="bg1"/>
                 </a:solidFill>
               </a:rPr>
-              <a:t> </a:t>
-            </a:r>
-            <a:r>
-              <a:rPr lang="hu-HU" b="1" dirty="0" err="1">
-                <a:solidFill>
-                  <a:schemeClr val="bg1"/>
-                </a:solidFill>
-              </a:rPr>
-              <a:t>space</a:t>
+              <a:t>𝕏</a:t>
+            </a:r>
+            <a:r>
+              <a:rPr lang="hu-HU" sz="2000" b="1" dirty="0">
+                <a:solidFill>
+                  <a:schemeClr val="bg1"/>
+                </a:solidFill>
+              </a:rPr>
+              <a:t>) </a:t>
+            </a:r>
+            <a:r>
+              <a:rPr lang="hu-HU" sz="2000" b="1" dirty="0">
+                <a:solidFill>
+                  <a:schemeClr val="bg1"/>
+                </a:solidFill>
+                <a:ea typeface="+mn-lt"/>
+                <a:cs typeface="+mn-lt"/>
+              </a:rPr>
+              <a:t> ~  </a:t>
+            </a:r>
+            <a:r>
+              <a:rPr lang="hu-HU" sz="2000" b="1" dirty="0" err="1">
+                <a:solidFill>
+                  <a:schemeClr val="bg1"/>
+                </a:solidFill>
+                <a:ea typeface="+mn-lt"/>
+                <a:cs typeface="+mn-lt"/>
+              </a:rPr>
+              <a:t>Frac</a:t>
+            </a:r>
+            <a:r>
+              <a:rPr lang="hu-HU" sz="2000" b="1" dirty="0">
+                <a:solidFill>
+                  <a:schemeClr val="bg1"/>
+                </a:solidFill>
+                <a:ea typeface="+mn-lt"/>
+                <a:cs typeface="+mn-lt"/>
+              </a:rPr>
+              <a:t>(𝔽</a:t>
+            </a:r>
+            <a:r>
+              <a:rPr lang="hu-HU" sz="2000" b="1" baseline="-25000" dirty="0">
+                <a:solidFill>
+                  <a:schemeClr val="bg1"/>
+                </a:solidFill>
+                <a:ea typeface="+mn-lt"/>
+                <a:cs typeface="+mn-lt"/>
+              </a:rPr>
+              <a:t>q</a:t>
+            </a:r>
+            <a:r>
+              <a:rPr lang="hu-HU" sz="2000" b="1" dirty="0">
+                <a:solidFill>
+                  <a:schemeClr val="bg1"/>
+                </a:solidFill>
+                <a:ea typeface="+mn-lt"/>
+                <a:cs typeface="+mn-lt"/>
+              </a:rPr>
+              <a:t>[</a:t>
+            </a:r>
+            <a:r>
+              <a:rPr lang="hu-HU" sz="2000" b="1" dirty="0" err="1">
+                <a:solidFill>
+                  <a:schemeClr val="bg1"/>
+                </a:solidFill>
+                <a:ea typeface="+mn-lt"/>
+                <a:cs typeface="+mn-lt"/>
+              </a:rPr>
+              <a:t>x,y</a:t>
+            </a:r>
+            <a:r>
+              <a:rPr lang="hu-HU" sz="2000" b="1" dirty="0">
+                <a:solidFill>
+                  <a:schemeClr val="bg1"/>
+                </a:solidFill>
+                <a:ea typeface="+mn-lt"/>
+                <a:cs typeface="+mn-lt"/>
+              </a:rPr>
+              <a:t>]/(</a:t>
             </a:r>
             <a:r>
               <a:rPr lang="hu-HU" b="1" dirty="0">
                 <a:solidFill>
                   <a:schemeClr val="bg1"/>
                 </a:solidFill>
-              </a:rPr>
-              <a:t> of </a:t>
-            </a:r>
-            <a:r>
-              <a:rPr lang="hu-HU" b="1" dirty="0">
-                <a:solidFill>
-                  <a:srgbClr val="00B0F0"/>
-                </a:solidFill>
-              </a:rPr>
-              <a:t>D</a:t>
-            </a:r>
+                <a:ea typeface="+mn-lt"/>
+                <a:cs typeface="+mn-lt"/>
+              </a:rPr>
+              <a:t>𝕏</a:t>
+            </a:r>
+            <a:r>
+              <a:rPr lang="hu-HU" sz="2000" b="1" dirty="0">
+                <a:solidFill>
+                  <a:schemeClr val="bg1"/>
+                </a:solidFill>
+                <a:ea typeface="+mn-lt"/>
+                <a:cs typeface="+mn-lt"/>
+              </a:rPr>
+              <a:t>))</a:t>
+            </a:r>
+            <a:endParaRPr lang="hu-HU" sz="2000" b="1" baseline="-25000" dirty="0">
+              <a:solidFill>
+                <a:schemeClr val="bg1"/>
+              </a:solidFill>
+            </a:endParaRPr>
           </a:p>
         </p:txBody>
       </p:sp>
@@ -26931,139 +26972,6 @@
           </a:fontRef>
         </p:style>
       </p:cxnSp>
-      <p:sp>
-        <p:nvSpPr>
-          <p:cNvPr id="28" name="Szövegdoboz 27">
-            <a:extLst>
-              <a:ext uri="{FF2B5EF4-FFF2-40B4-BE49-F238E27FC236}">
-                <a16:creationId xmlns:a16="http://schemas.microsoft.com/office/drawing/2014/main" id="{8B87ACBF-B018-4ACE-1589-C2A2584D994A}"/>
-              </a:ext>
-            </a:extLst>
-          </p:cNvPr>
-          <p:cNvSpPr txBox="1"/>
-          <p:nvPr/>
-        </p:nvSpPr>
-        <p:spPr>
-          <a:xfrm>
-            <a:off x="8048786" y="2254681"/>
-            <a:ext cx="2206549" cy="400110"/>
-          </a:xfrm>
-          <a:prstGeom prst="rect">
-            <a:avLst/>
-          </a:prstGeom>
-          <a:noFill/>
-        </p:spPr>
-        <p:txBody>
-          <a:bodyPr rot="0" spcFirstLastPara="0" vertOverflow="overflow" horzOverflow="overflow" vert="horz" wrap="square" lIns="91440" tIns="45720" rIns="91440" bIns="45720" numCol="1" spcCol="0" rtlCol="0" fromWordArt="0" anchor="t" anchorCtr="0" forceAA="0" compatLnSpc="1">
-            <a:prstTxWarp prst="textNoShape">
-              <a:avLst/>
-            </a:prstTxWarp>
-            <a:spAutoFit/>
-          </a:bodyPr>
-          <a:lstStyle/>
-          <a:p>
-            <a:r>
-              <a:rPr lang="hu-HU" sz="2000" b="1" dirty="0">
-                <a:solidFill>
-                  <a:schemeClr val="bg1"/>
-                </a:solidFill>
-              </a:rPr>
-              <a:t>F(</a:t>
-            </a:r>
-            <a:r>
-              <a:rPr lang="hu-HU" b="1" dirty="0">
-                <a:solidFill>
-                  <a:schemeClr val="bg1"/>
-                </a:solidFill>
-              </a:rPr>
-              <a:t>𝕏</a:t>
-            </a:r>
-            <a:r>
-              <a:rPr lang="hu-HU" sz="2000" b="1" dirty="0">
-                <a:solidFill>
-                  <a:schemeClr val="bg1"/>
-                </a:solidFill>
-              </a:rPr>
-              <a:t>) </a:t>
-            </a:r>
-            <a:r>
-              <a:rPr lang="hu-HU" sz="2000" b="1" dirty="0">
-                <a:solidFill>
-                  <a:schemeClr val="bg1"/>
-                </a:solidFill>
-                <a:ea typeface="+mn-lt"/>
-                <a:cs typeface="+mn-lt"/>
-              </a:rPr>
-              <a:t> ≈  𝔽</a:t>
-            </a:r>
-            <a:r>
-              <a:rPr lang="hu-HU" sz="2000" b="1" baseline="-25000" dirty="0">
-                <a:solidFill>
-                  <a:schemeClr val="bg1"/>
-                </a:solidFill>
-                <a:ea typeface="+mn-lt"/>
-                <a:cs typeface="+mn-lt"/>
-              </a:rPr>
-              <a:t>q</a:t>
-            </a:r>
-            <a:r>
-              <a:rPr lang="hu-HU" sz="2000" b="1" dirty="0">
-                <a:solidFill>
-                  <a:schemeClr val="bg1"/>
-                </a:solidFill>
-                <a:ea typeface="+mn-lt"/>
-                <a:cs typeface="+mn-lt"/>
-              </a:rPr>
-              <a:t>[</a:t>
-            </a:r>
-            <a:r>
-              <a:rPr lang="hu-HU" sz="2000" b="1" err="1">
-                <a:solidFill>
-                  <a:schemeClr val="bg1"/>
-                </a:solidFill>
-                <a:ea typeface="+mn-lt"/>
-                <a:cs typeface="+mn-lt"/>
-              </a:rPr>
-              <a:t>x,y</a:t>
-            </a:r>
-            <a:r>
-              <a:rPr lang="hu-HU" sz="2000" b="1" dirty="0">
-                <a:solidFill>
-                  <a:schemeClr val="bg1"/>
-                </a:solidFill>
-                <a:ea typeface="+mn-lt"/>
-                <a:cs typeface="+mn-lt"/>
-              </a:rPr>
-              <a:t>]/(</a:t>
-            </a:r>
-            <a:r>
-              <a:rPr lang="hu-HU" b="1" dirty="0">
-                <a:solidFill>
-                  <a:schemeClr val="bg1"/>
-                </a:solidFill>
-                <a:ea typeface="+mn-lt"/>
-                <a:cs typeface="+mn-lt"/>
-              </a:rPr>
-              <a:t>𝕏</a:t>
-            </a:r>
-            <a:r>
-              <a:rPr lang="hu-HU" sz="2000" b="1" dirty="0">
-                <a:solidFill>
-                  <a:schemeClr val="bg1"/>
-                </a:solidFill>
-                <a:ea typeface="+mn-lt"/>
-                <a:cs typeface="+mn-lt"/>
-              </a:rPr>
-              <a:t>)</a:t>
-            </a:r>
-            <a:endParaRPr lang="hu-HU" sz="2000" b="1" baseline="-25000" dirty="0">
-              <a:solidFill>
-                <a:schemeClr val="bg1"/>
-              </a:solidFill>
-            </a:endParaRPr>
-          </a:p>
-        </p:txBody>
-      </p:sp>
       <p:cxnSp>
         <p:nvCxnSpPr>
           <p:cNvPr id="29" name="Egyenes összekötő nyíllal 28">
@@ -27643,6 +27551,159 @@
               </a:rPr>
               <a:t>points</a:t>
             </a:r>
+          </a:p>
+        </p:txBody>
+      </p:sp>
+      <p:sp>
+        <p:nvSpPr>
+          <p:cNvPr id="14" name="Szövegdoboz 13">
+            <a:extLst>
+              <a:ext uri="{FF2B5EF4-FFF2-40B4-BE49-F238E27FC236}">
+                <a16:creationId xmlns:a16="http://schemas.microsoft.com/office/drawing/2014/main" id="{0D12B855-09F7-C68D-A522-C79B519929DE}"/>
+              </a:ext>
+            </a:extLst>
+          </p:cNvPr>
+          <p:cNvSpPr txBox="1"/>
+          <p:nvPr/>
+        </p:nvSpPr>
+        <p:spPr>
+          <a:xfrm>
+            <a:off x="8048786" y="2254681"/>
+            <a:ext cx="3081117" cy="400110"/>
+          </a:xfrm>
+          <a:prstGeom prst="rect">
+            <a:avLst/>
+          </a:prstGeom>
+          <a:noFill/>
+        </p:spPr>
+        <p:txBody>
+          <a:bodyPr rot="0" spcFirstLastPara="0" vertOverflow="overflow" horzOverflow="overflow" vert="horz" wrap="square" lIns="91440" tIns="45720" rIns="91440" bIns="45720" numCol="1" spcCol="0" rtlCol="0" fromWordArt="0" anchor="t" anchorCtr="0" forceAA="0" compatLnSpc="1">
+            <a:prstTxWarp prst="textNoShape">
+              <a:avLst/>
+            </a:prstTxWarp>
+            <a:spAutoFit/>
+          </a:bodyPr>
+          <a:lstStyle/>
+          <a:p>
+            <a:r>
+              <a:rPr lang="hu-HU" sz="2000" b="1" dirty="0">
+                <a:solidFill>
+                  <a:schemeClr val="bg1"/>
+                </a:solidFill>
+              </a:rPr>
+              <a:t>F(</a:t>
+            </a:r>
+            <a:r>
+              <a:rPr lang="hu-HU" b="1" dirty="0">
+                <a:solidFill>
+                  <a:schemeClr val="bg1"/>
+                </a:solidFill>
+              </a:rPr>
+              <a:t>𝕏</a:t>
+            </a:r>
+            <a:r>
+              <a:rPr lang="hu-HU" sz="2000" b="1" dirty="0">
+                <a:solidFill>
+                  <a:schemeClr val="bg1"/>
+                </a:solidFill>
+              </a:rPr>
+              <a:t>) </a:t>
+            </a:r>
+            <a:r>
+              <a:rPr lang="hu-HU" sz="2000" b="1" dirty="0">
+                <a:solidFill>
+                  <a:schemeClr val="bg1"/>
+                </a:solidFill>
+                <a:ea typeface="+mn-lt"/>
+                <a:cs typeface="+mn-lt"/>
+              </a:rPr>
+              <a:t> ~  </a:t>
+            </a:r>
+            <a:r>
+              <a:rPr lang="hu-HU" sz="2000" b="1" dirty="0" err="1">
+                <a:solidFill>
+                  <a:schemeClr val="bg1"/>
+                </a:solidFill>
+                <a:ea typeface="+mn-lt"/>
+                <a:cs typeface="+mn-lt"/>
+              </a:rPr>
+              <a:t>Frac</a:t>
+            </a:r>
+            <a:r>
+              <a:rPr lang="hu-HU" sz="2000" b="1" dirty="0">
+                <a:solidFill>
+                  <a:schemeClr val="bg1"/>
+                </a:solidFill>
+                <a:ea typeface="+mn-lt"/>
+                <a:cs typeface="+mn-lt"/>
+              </a:rPr>
+              <a:t>(𝔽</a:t>
+            </a:r>
+            <a:r>
+              <a:rPr lang="hu-HU" sz="2000" b="1" baseline="-25000" dirty="0">
+                <a:solidFill>
+                  <a:schemeClr val="bg1"/>
+                </a:solidFill>
+                <a:ea typeface="+mn-lt"/>
+                <a:cs typeface="+mn-lt"/>
+              </a:rPr>
+              <a:t>q</a:t>
+            </a:r>
+            <a:r>
+              <a:rPr lang="hu-HU" sz="2000" b="1" dirty="0">
+                <a:solidFill>
+                  <a:schemeClr val="bg1"/>
+                </a:solidFill>
+                <a:ea typeface="+mn-lt"/>
+                <a:cs typeface="+mn-lt"/>
+              </a:rPr>
+              <a:t>[</a:t>
+            </a:r>
+            <a:r>
+              <a:rPr lang="hu-HU" sz="2000" b="1" dirty="0" err="1">
+                <a:solidFill>
+                  <a:schemeClr val="bg1"/>
+                </a:solidFill>
+                <a:ea typeface="+mn-lt"/>
+                <a:cs typeface="+mn-lt"/>
+              </a:rPr>
+              <a:t>x,y</a:t>
+            </a:r>
+            <a:r>
+              <a:rPr lang="hu-HU" sz="2000" b="1" dirty="0">
+                <a:solidFill>
+                  <a:schemeClr val="bg1"/>
+                </a:solidFill>
+                <a:ea typeface="+mn-lt"/>
+                <a:cs typeface="+mn-lt"/>
+              </a:rPr>
+              <a:t>]/(</a:t>
+            </a:r>
+            <a:r>
+              <a:rPr lang="hu-HU" b="1" dirty="0">
+                <a:solidFill>
+                  <a:schemeClr val="bg1"/>
+                </a:solidFill>
+                <a:ea typeface="+mn-lt"/>
+                <a:cs typeface="+mn-lt"/>
+              </a:rPr>
+              <a:t>𝕏</a:t>
+            </a:r>
+            <a:r>
+              <a:rPr lang="hu-HU" sz="2000" b="1" dirty="0">
+                <a:solidFill>
+                  <a:schemeClr val="bg1"/>
+                </a:solidFill>
+                <a:ea typeface="+mn-lt"/>
+                <a:cs typeface="+mn-lt"/>
+              </a:rPr>
+              <a:t>))</a:t>
+            </a:r>
+            <a:endParaRPr lang="hu-HU" sz="2000" b="1" baseline="-25000" dirty="0">
+              <a:solidFill>
+                <a:schemeClr val="bg1"/>
+              </a:solidFill>
+            </a:endParaRPr>
           </a:p>
         </p:txBody>
       </p:sp>
@@ -28042,139 +28103,6 @@
           </a:fontRef>
         </p:style>
       </p:cxnSp>
-      <p:sp>
-        <p:nvSpPr>
-          <p:cNvPr id="28" name="Szövegdoboz 27">
-            <a:extLst>
-              <a:ext uri="{FF2B5EF4-FFF2-40B4-BE49-F238E27FC236}">
-                <a16:creationId xmlns:a16="http://schemas.microsoft.com/office/drawing/2014/main" id="{6D60BA75-013B-DCEF-F35E-6965F3EA1F99}"/>
-              </a:ext>
-            </a:extLst>
-          </p:cNvPr>
-          <p:cNvSpPr txBox="1"/>
-          <p:nvPr/>
-        </p:nvSpPr>
-        <p:spPr>
-          <a:xfrm>
-            <a:off x="8048786" y="2254681"/>
-            <a:ext cx="2206549" cy="400110"/>
-          </a:xfrm>
-          <a:prstGeom prst="rect">
-            <a:avLst/>
-          </a:prstGeom>
-          <a:noFill/>
-        </p:spPr>
-        <p:txBody>
-          <a:bodyPr rot="0" spcFirstLastPara="0" vertOverflow="overflow" horzOverflow="overflow" vert="horz" wrap="square" lIns="91440" tIns="45720" rIns="91440" bIns="45720" numCol="1" spcCol="0" rtlCol="0" fromWordArt="0" anchor="t" anchorCtr="0" forceAA="0" compatLnSpc="1">
-            <a:prstTxWarp prst="textNoShape">
-              <a:avLst/>
-            </a:prstTxWarp>
-            <a:spAutoFit/>
-          </a:bodyPr>
-          <a:lstStyle/>
-          <a:p>
-            <a:r>
-              <a:rPr lang="hu-HU" sz="2000" b="1" dirty="0">
-                <a:solidFill>
-                  <a:schemeClr val="bg1"/>
-                </a:solidFill>
-              </a:rPr>
-              <a:t>F(</a:t>
-            </a:r>
-            <a:r>
-              <a:rPr lang="hu-HU" b="1" dirty="0">
-                <a:solidFill>
-                  <a:schemeClr val="bg1"/>
-                </a:solidFill>
-              </a:rPr>
-              <a:t>𝕏</a:t>
-            </a:r>
-            <a:r>
-              <a:rPr lang="hu-HU" sz="2000" b="1" dirty="0">
-                <a:solidFill>
-                  <a:schemeClr val="bg1"/>
-                </a:solidFill>
-              </a:rPr>
-              <a:t>) </a:t>
-            </a:r>
-            <a:r>
-              <a:rPr lang="hu-HU" sz="2000" b="1" dirty="0">
-                <a:solidFill>
-                  <a:schemeClr val="bg1"/>
-                </a:solidFill>
-                <a:ea typeface="+mn-lt"/>
-                <a:cs typeface="+mn-lt"/>
-              </a:rPr>
-              <a:t> ≈  𝔽</a:t>
-            </a:r>
-            <a:r>
-              <a:rPr lang="hu-HU" sz="2000" b="1" baseline="-25000" dirty="0">
-                <a:solidFill>
-                  <a:schemeClr val="bg1"/>
-                </a:solidFill>
-                <a:ea typeface="+mn-lt"/>
-                <a:cs typeface="+mn-lt"/>
-              </a:rPr>
-              <a:t>q</a:t>
-            </a:r>
-            <a:r>
-              <a:rPr lang="hu-HU" sz="2000" b="1" dirty="0">
-                <a:solidFill>
-                  <a:schemeClr val="bg1"/>
-                </a:solidFill>
-                <a:ea typeface="+mn-lt"/>
-                <a:cs typeface="+mn-lt"/>
-              </a:rPr>
-              <a:t>[</a:t>
-            </a:r>
-            <a:r>
-              <a:rPr lang="hu-HU" sz="2000" b="1" err="1">
-                <a:solidFill>
-                  <a:schemeClr val="bg1"/>
-                </a:solidFill>
-                <a:ea typeface="+mn-lt"/>
-                <a:cs typeface="+mn-lt"/>
-              </a:rPr>
-              <a:t>x,y</a:t>
-            </a:r>
-            <a:r>
-              <a:rPr lang="hu-HU" sz="2000" b="1" dirty="0">
-                <a:solidFill>
-                  <a:schemeClr val="bg1"/>
-                </a:solidFill>
-                <a:ea typeface="+mn-lt"/>
-                <a:cs typeface="+mn-lt"/>
-              </a:rPr>
-              <a:t>]/(</a:t>
-            </a:r>
-            <a:r>
-              <a:rPr lang="hu-HU" b="1" dirty="0">
-                <a:solidFill>
-                  <a:schemeClr val="bg1"/>
-                </a:solidFill>
-                <a:ea typeface="+mn-lt"/>
-                <a:cs typeface="+mn-lt"/>
-              </a:rPr>
-              <a:t>𝕏</a:t>
-            </a:r>
-            <a:r>
-              <a:rPr lang="hu-HU" sz="2000" b="1" dirty="0">
-                <a:solidFill>
-                  <a:schemeClr val="bg1"/>
-                </a:solidFill>
-                <a:ea typeface="+mn-lt"/>
-                <a:cs typeface="+mn-lt"/>
-              </a:rPr>
-              <a:t>)</a:t>
-            </a:r>
-            <a:endParaRPr lang="hu-HU" sz="2000" b="1" baseline="-25000" dirty="0">
-              <a:solidFill>
-                <a:schemeClr val="bg1"/>
-              </a:solidFill>
-            </a:endParaRPr>
-          </a:p>
-        </p:txBody>
-      </p:sp>
       <p:cxnSp>
         <p:nvCxnSpPr>
           <p:cNvPr id="29" name="Egyenes összekötő nyíllal 28">
@@ -29246,6 +29174,159 @@
               </a:rPr>
               <a:t>messages</a:t>
             </a:r>
+          </a:p>
+        </p:txBody>
+      </p:sp>
+      <p:sp>
+        <p:nvSpPr>
+          <p:cNvPr id="19" name="Szövegdoboz 18">
+            <a:extLst>
+              <a:ext uri="{FF2B5EF4-FFF2-40B4-BE49-F238E27FC236}">
+                <a16:creationId xmlns:a16="http://schemas.microsoft.com/office/drawing/2014/main" id="{CC9BA29E-A078-8A22-4F07-D0C4CE437B43}"/>
+              </a:ext>
+            </a:extLst>
+          </p:cNvPr>
+          <p:cNvSpPr txBox="1"/>
+          <p:nvPr/>
+        </p:nvSpPr>
+        <p:spPr>
+          <a:xfrm>
+            <a:off x="8048786" y="2254681"/>
+            <a:ext cx="3081117" cy="400110"/>
+          </a:xfrm>
+          <a:prstGeom prst="rect">
+            <a:avLst/>
+          </a:prstGeom>
+          <a:noFill/>
+        </p:spPr>
+        <p:txBody>
+          <a:bodyPr rot="0" spcFirstLastPara="0" vertOverflow="overflow" horzOverflow="overflow" vert="horz" wrap="square" lIns="91440" tIns="45720" rIns="91440" bIns="45720" numCol="1" spcCol="0" rtlCol="0" fromWordArt="0" anchor="t" anchorCtr="0" forceAA="0" compatLnSpc="1">
+            <a:prstTxWarp prst="textNoShape">
+              <a:avLst/>
+            </a:prstTxWarp>
+            <a:spAutoFit/>
+          </a:bodyPr>
+          <a:lstStyle/>
+          <a:p>
+            <a:r>
+              <a:rPr lang="hu-HU" sz="2000" b="1" dirty="0">
+                <a:solidFill>
+                  <a:schemeClr val="bg1"/>
+                </a:solidFill>
+              </a:rPr>
+              <a:t>F(</a:t>
+            </a:r>
+            <a:r>
+              <a:rPr lang="hu-HU" b="1" dirty="0">
+                <a:solidFill>
+                  <a:schemeClr val="bg1"/>
+                </a:solidFill>
+              </a:rPr>
+              <a:t>𝕏</a:t>
+            </a:r>
+            <a:r>
+              <a:rPr lang="hu-HU" sz="2000" b="1" dirty="0">
+                <a:solidFill>
+                  <a:schemeClr val="bg1"/>
+                </a:solidFill>
+              </a:rPr>
+              <a:t>) </a:t>
+            </a:r>
+            <a:r>
+              <a:rPr lang="hu-HU" sz="2000" b="1" dirty="0">
+                <a:solidFill>
+                  <a:schemeClr val="bg1"/>
+                </a:solidFill>
+                <a:ea typeface="+mn-lt"/>
+                <a:cs typeface="+mn-lt"/>
+              </a:rPr>
+              <a:t> ~  </a:t>
+            </a:r>
+            <a:r>
+              <a:rPr lang="hu-HU" sz="2000" b="1" dirty="0" err="1">
+                <a:solidFill>
+                  <a:schemeClr val="bg1"/>
+                </a:solidFill>
+                <a:ea typeface="+mn-lt"/>
+                <a:cs typeface="+mn-lt"/>
+              </a:rPr>
+              <a:t>Frac</a:t>
+            </a:r>
+            <a:r>
+              <a:rPr lang="hu-HU" sz="2000" b="1" dirty="0">
+                <a:solidFill>
+                  <a:schemeClr val="bg1"/>
+                </a:solidFill>
+                <a:ea typeface="+mn-lt"/>
+                <a:cs typeface="+mn-lt"/>
+              </a:rPr>
+              <a:t>(𝔽</a:t>
+            </a:r>
+            <a:r>
+              <a:rPr lang="hu-HU" sz="2000" b="1" baseline="-25000" dirty="0">
+                <a:solidFill>
+                  <a:schemeClr val="bg1"/>
+                </a:solidFill>
+                <a:ea typeface="+mn-lt"/>
+                <a:cs typeface="+mn-lt"/>
+              </a:rPr>
+              <a:t>q</a:t>
+            </a:r>
+            <a:r>
+              <a:rPr lang="hu-HU" sz="2000" b="1" dirty="0">
+                <a:solidFill>
+                  <a:schemeClr val="bg1"/>
+                </a:solidFill>
+                <a:ea typeface="+mn-lt"/>
+                <a:cs typeface="+mn-lt"/>
+              </a:rPr>
+              <a:t>[</a:t>
+            </a:r>
+            <a:r>
+              <a:rPr lang="hu-HU" sz="2000" b="1" dirty="0" err="1">
+                <a:solidFill>
+                  <a:schemeClr val="bg1"/>
+                </a:solidFill>
+                <a:ea typeface="+mn-lt"/>
+                <a:cs typeface="+mn-lt"/>
+              </a:rPr>
+              <a:t>x,y</a:t>
+            </a:r>
+            <a:r>
+              <a:rPr lang="hu-HU" sz="2000" b="1" dirty="0">
+                <a:solidFill>
+                  <a:schemeClr val="bg1"/>
+                </a:solidFill>
+                <a:ea typeface="+mn-lt"/>
+                <a:cs typeface="+mn-lt"/>
+              </a:rPr>
+              <a:t>]/(</a:t>
+            </a:r>
+            <a:r>
+              <a:rPr lang="hu-HU" b="1" dirty="0">
+                <a:solidFill>
+                  <a:schemeClr val="bg1"/>
+                </a:solidFill>
+                <a:ea typeface="+mn-lt"/>
+                <a:cs typeface="+mn-lt"/>
+              </a:rPr>
+              <a:t>𝕏</a:t>
+            </a:r>
+            <a:r>
+              <a:rPr lang="hu-HU" sz="2000" b="1" dirty="0">
+                <a:solidFill>
+                  <a:schemeClr val="bg1"/>
+                </a:solidFill>
+                <a:ea typeface="+mn-lt"/>
+                <a:cs typeface="+mn-lt"/>
+              </a:rPr>
+              <a:t>))</a:t>
+            </a:r>
+            <a:endParaRPr lang="hu-HU" sz="2000" b="1" baseline="-25000" dirty="0">
+              <a:solidFill>
+                <a:schemeClr val="bg1"/>
+              </a:solidFill>
+            </a:endParaRPr>
           </a:p>
         </p:txBody>
       </p:sp>
